--- a/DOC/초선.pptx
+++ b/DOC/초선.pptx
@@ -7,6 +7,7 @@
   <p:sldIdLst>
     <p:sldId id="256" r:id="rId2"/>
     <p:sldId id="257" r:id="rId3"/>
+    <p:sldId id="259" r:id="rId4"/>
   </p:sldIdLst>
   <p:sldSz cx="9144000" cy="6858000" type="screen4x3"/>
   <p:notesSz cx="6858000" cy="9144000"/>
@@ -3209,6 +3210,189 @@
                 <a:latin typeface="HY견명조" panose="02030600000101010101" pitchFamily="18" charset="-127"/>
                 <a:ea typeface="HY견명조" panose="02030600000101010101" pitchFamily="18" charset="-127"/>
               </a:rPr>
+              <a:t>초선의 </a:t>
+            </a:r>
+            <a:r>
+              <a:rPr lang="ko-KR" altLang="en-US" sz="5400" dirty="0" err="1" smtClean="0">
+                <a:latin typeface="HY견명조" panose="02030600000101010101" pitchFamily="18" charset="-127"/>
+                <a:ea typeface="HY견명조" panose="02030600000101010101" pitchFamily="18" charset="-127"/>
+              </a:rPr>
+              <a:t>다섯가지</a:t>
+            </a:r>
+            <a:r>
+              <a:rPr lang="ko-KR" altLang="en-US" sz="5400" dirty="0" smtClean="0">
+                <a:latin typeface="HY견명조" panose="02030600000101010101" pitchFamily="18" charset="-127"/>
+                <a:ea typeface="HY견명조" panose="02030600000101010101" pitchFamily="18" charset="-127"/>
+              </a:rPr>
+              <a:t> 구성요소</a:t>
+            </a:r>
+            <a:endParaRPr lang="ko-KR" altLang="en-US" sz="5400" dirty="0">
+              <a:latin typeface="HY견명조" panose="02030600000101010101" pitchFamily="18" charset="-127"/>
+              <a:ea typeface="HY견명조" panose="02030600000101010101" pitchFamily="18" charset="-127"/>
+            </a:endParaRPr>
+          </a:p>
+        </p:txBody>
+      </p:sp>
+      <p:sp>
+        <p:nvSpPr>
+          <p:cNvPr id="3" name="내용 개체 틀 2"/>
+          <p:cNvSpPr>
+            <a:spLocks noGrp="1"/>
+          </p:cNvSpPr>
+          <p:nvPr>
+            <p:ph idx="1"/>
+          </p:nvPr>
+        </p:nvSpPr>
+        <p:spPr>
+          <a:xfrm>
+            <a:off x="323385" y="1825625"/>
+            <a:ext cx="8564137" cy="4117975"/>
+          </a:xfrm>
+        </p:spPr>
+        <p:txBody>
+          <a:bodyPr>
+            <a:noAutofit/>
+          </a:bodyPr>
+          <a:lstStyle/>
+          <a:p>
+            <a:pPr marL="914400" indent="-914400">
+              <a:buAutoNum type="arabicPeriod"/>
+            </a:pPr>
+            <a:r>
+              <a:rPr lang="ko-KR" altLang="en-US" sz="4800" spc="-300" dirty="0" smtClean="0">
+                <a:latin typeface="HY견명조" panose="02030600000101010101" pitchFamily="18" charset="-127"/>
+                <a:ea typeface="HY견명조" panose="02030600000101010101" pitchFamily="18" charset="-127"/>
+              </a:rPr>
+              <a:t>일으킨 생각</a:t>
+            </a:r>
+            <a:endParaRPr lang="en-US" altLang="ko-KR" sz="4800" spc="-300" dirty="0" smtClean="0">
+              <a:latin typeface="HY견명조" panose="02030600000101010101" pitchFamily="18" charset="-127"/>
+              <a:ea typeface="HY견명조" panose="02030600000101010101" pitchFamily="18" charset="-127"/>
+            </a:endParaRPr>
+          </a:p>
+          <a:p>
+            <a:pPr marL="914400" indent="-914400">
+              <a:buAutoNum type="arabicPeriod"/>
+            </a:pPr>
+            <a:r>
+              <a:rPr lang="ko-KR" altLang="en-US" sz="4800" spc="-300" dirty="0" smtClean="0">
+                <a:latin typeface="HY견명조" panose="02030600000101010101" pitchFamily="18" charset="-127"/>
+                <a:ea typeface="HY견명조" panose="02030600000101010101" pitchFamily="18" charset="-127"/>
+              </a:rPr>
+              <a:t>지속적 고찰</a:t>
+            </a:r>
+            <a:endParaRPr lang="en-US" altLang="ko-KR" sz="4800" spc="-300" dirty="0" smtClean="0">
+              <a:latin typeface="HY견명조" panose="02030600000101010101" pitchFamily="18" charset="-127"/>
+              <a:ea typeface="HY견명조" panose="02030600000101010101" pitchFamily="18" charset="-127"/>
+            </a:endParaRPr>
+          </a:p>
+          <a:p>
+            <a:pPr marL="914400" indent="-914400">
+              <a:buAutoNum type="arabicPeriod"/>
+            </a:pPr>
+            <a:r>
+              <a:rPr lang="ko-KR" altLang="en-US" sz="4800" spc="-300" dirty="0" smtClean="0">
+                <a:latin typeface="HY견명조" panose="02030600000101010101" pitchFamily="18" charset="-127"/>
+                <a:ea typeface="HY견명조" panose="02030600000101010101" pitchFamily="18" charset="-127"/>
+              </a:rPr>
+              <a:t>희열</a:t>
+            </a:r>
+            <a:endParaRPr lang="en-US" altLang="ko-KR" sz="4800" spc="-300" dirty="0" smtClean="0">
+              <a:latin typeface="HY견명조" panose="02030600000101010101" pitchFamily="18" charset="-127"/>
+              <a:ea typeface="HY견명조" panose="02030600000101010101" pitchFamily="18" charset="-127"/>
+            </a:endParaRPr>
+          </a:p>
+          <a:p>
+            <a:pPr marL="914400" indent="-914400">
+              <a:buAutoNum type="arabicPeriod"/>
+            </a:pPr>
+            <a:r>
+              <a:rPr lang="ko-KR" altLang="en-US" sz="4800" spc="-300" dirty="0" smtClean="0">
+                <a:latin typeface="HY견명조" panose="02030600000101010101" pitchFamily="18" charset="-127"/>
+                <a:ea typeface="HY견명조" panose="02030600000101010101" pitchFamily="18" charset="-127"/>
+              </a:rPr>
+              <a:t>행복</a:t>
+            </a:r>
+            <a:endParaRPr lang="en-US" altLang="ko-KR" sz="4800" spc="-300" dirty="0" smtClean="0">
+              <a:latin typeface="HY견명조" panose="02030600000101010101" pitchFamily="18" charset="-127"/>
+              <a:ea typeface="HY견명조" panose="02030600000101010101" pitchFamily="18" charset="-127"/>
+            </a:endParaRPr>
+          </a:p>
+          <a:p>
+            <a:pPr marL="914400" indent="-914400">
+              <a:buAutoNum type="arabicPeriod"/>
+            </a:pPr>
+            <a:r>
+              <a:rPr lang="ko-KR" altLang="en-US" sz="4800" spc="-300" dirty="0" smtClean="0">
+                <a:latin typeface="HY견명조" panose="02030600000101010101" pitchFamily="18" charset="-127"/>
+                <a:ea typeface="HY견명조" panose="02030600000101010101" pitchFamily="18" charset="-127"/>
+              </a:rPr>
+              <a:t>집중</a:t>
+            </a:r>
+            <a:endParaRPr lang="ko-KR" altLang="en-US" sz="4800" spc="-300" dirty="0">
+              <a:latin typeface="HY견명조" panose="02030600000101010101" pitchFamily="18" charset="-127"/>
+              <a:ea typeface="HY견명조" panose="02030600000101010101" pitchFamily="18" charset="-127"/>
+            </a:endParaRPr>
+          </a:p>
+        </p:txBody>
+      </p:sp>
+    </p:spTree>
+    <p:extLst>
+      <p:ext uri="{BB962C8B-B14F-4D97-AF65-F5344CB8AC3E}">
+        <p14:creationId xmlns:p14="http://schemas.microsoft.com/office/powerpoint/2010/main" val="2823673011"/>
+      </p:ext>
+    </p:extLst>
+  </p:cSld>
+  <p:clrMapOvr>
+    <a:masterClrMapping/>
+  </p:clrMapOvr>
+</p:sld>
+</file>
+
+<file path=ppt/slides/slide3.xml><?xml version="1.0" encoding="utf-8"?>
+<p:sld xmlns:a="http://schemas.openxmlformats.org/drawingml/2006/main" xmlns:r="http://schemas.openxmlformats.org/officeDocument/2006/relationships" xmlns:p="http://schemas.openxmlformats.org/presentationml/2006/main">
+  <p:cSld>
+    <p:spTree>
+      <p:nvGrpSpPr>
+        <p:cNvPr id="1" name=""/>
+        <p:cNvGrpSpPr/>
+        <p:nvPr/>
+      </p:nvGrpSpPr>
+      <p:grpSpPr>
+        <a:xfrm>
+          <a:off x="0" y="0"/>
+          <a:ext cx="0" cy="0"/>
+          <a:chOff x="0" y="0"/>
+          <a:chExt cx="0" cy="0"/>
+        </a:xfrm>
+      </p:grpSpPr>
+      <p:sp>
+        <p:nvSpPr>
+          <p:cNvPr id="2" name="제목 1"/>
+          <p:cNvSpPr>
+            <a:spLocks noGrp="1"/>
+          </p:cNvSpPr>
+          <p:nvPr>
+            <p:ph type="title"/>
+          </p:nvPr>
+        </p:nvSpPr>
+        <p:spPr>
+          <a:xfrm>
+            <a:off x="211873" y="365126"/>
+            <a:ext cx="8303477" cy="1325563"/>
+          </a:xfrm>
+        </p:spPr>
+        <p:txBody>
+          <a:bodyPr>
+            <a:noAutofit/>
+          </a:bodyPr>
+          <a:lstStyle/>
+          <a:p>
+            <a:r>
+              <a:rPr lang="ko-KR" altLang="en-US" sz="5400" dirty="0" smtClean="0">
+                <a:latin typeface="HY견명조" panose="02030600000101010101" pitchFamily="18" charset="-127"/>
+                <a:ea typeface="HY견명조" panose="02030600000101010101" pitchFamily="18" charset="-127"/>
+              </a:rPr>
               <a:t>초선에 관하여 숙달하는가</a:t>
             </a:r>
             <a:r>
@@ -3332,7 +3516,7 @@
     </p:spTree>
     <p:extLst>
       <p:ext uri="{BB962C8B-B14F-4D97-AF65-F5344CB8AC3E}">
-        <p14:creationId xmlns:p14="http://schemas.microsoft.com/office/powerpoint/2010/main" val="2823673011"/>
+        <p14:creationId xmlns:p14="http://schemas.microsoft.com/office/powerpoint/2010/main" val="362399720"/>
       </p:ext>
     </p:extLst>
   </p:cSld>
